--- a/Presentaties/Examen presentatie.pptx
+++ b/Presentaties/Examen presentatie.pptx
@@ -11,7 +11,9 @@
     <p:sldId id="267" r:id="rId5"/>
     <p:sldId id="266" r:id="rId6"/>
     <p:sldId id="263" r:id="rId7"/>
-    <p:sldId id="262" r:id="rId8"/>
+    <p:sldId id="269" r:id="rId8"/>
+    <p:sldId id="268" r:id="rId9"/>
+    <p:sldId id="262" r:id="rId10"/>
   </p:sldIdLst>
   <p:sldSz cx="12192000" cy="6858000"/>
   <p:notesSz cx="6858000" cy="9144000"/>
@@ -6258,6 +6260,1238 @@
 </file>
 
 <file path=ppt/slides/slide7.xml><?xml version="1.0" encoding="utf-8"?>
+<p:sld xmlns:a="http://schemas.openxmlformats.org/drawingml/2006/main" xmlns:r="http://schemas.openxmlformats.org/officeDocument/2006/relationships" xmlns:p="http://schemas.openxmlformats.org/presentationml/2006/main">
+  <p:cSld>
+    <p:bg>
+      <p:bgPr>
+        <a:solidFill>
+          <a:schemeClr val="bg1"/>
+        </a:solidFill>
+        <a:effectLst/>
+      </p:bgPr>
+    </p:bg>
+    <p:spTree>
+      <p:nvGrpSpPr>
+        <p:cNvPr id="1" name=""/>
+        <p:cNvGrpSpPr/>
+        <p:nvPr/>
+      </p:nvGrpSpPr>
+      <p:grpSpPr>
+        <a:xfrm>
+          <a:off x="0" y="0"/>
+          <a:ext cx="0" cy="0"/>
+          <a:chOff x="0" y="0"/>
+          <a:chExt cx="0" cy="0"/>
+        </a:xfrm>
+      </p:grpSpPr>
+      <p:sp>
+        <p:nvSpPr>
+          <p:cNvPr id="75" name="Rectangle 74">
+            <a:extLst>
+              <a:ext uri="{FF2B5EF4-FFF2-40B4-BE49-F238E27FC236}">
+                <a16:creationId xmlns:a16="http://schemas.microsoft.com/office/drawing/2014/main" id="{A7AE9375-4664-4DB2-922D-2782A6E439AC}"/>
+              </a:ext>
+              <a:ext uri="{C183D7F6-B498-43B3-948B-1728B52AA6E4}">
+                <adec:decorative xmlns:adec="http://schemas.microsoft.com/office/drawing/2017/decorative" val="1"/>
+              </a:ext>
+            </a:extLst>
+          </p:cNvPr>
+          <p:cNvSpPr>
+            <a:spLocks noGrp="1" noRot="1" noChangeAspect="1" noMove="1" noResize="1" noEditPoints="1" noAdjustHandles="1" noChangeArrowheads="1" noChangeShapeType="1" noTextEdit="1"/>
+          </p:cNvSpPr>
+          <p:nvPr>
+            <p:extLst>
+              <p:ext uri="{386F3935-93C4-4BCD-93E2-E3B085C9AB24}">
+                <p16:designElem xmlns:p16="http://schemas.microsoft.com/office/powerpoint/2015/main" val="1"/>
+              </p:ext>
+            </p:extLst>
+          </p:nvPr>
+        </p:nvSpPr>
+        <p:spPr>
+          <a:xfrm>
+            <a:off x="-1" y="0"/>
+            <a:ext cx="12192000" cy="6858000"/>
+          </a:xfrm>
+          <a:prstGeom prst="rect">
+            <a:avLst/>
+          </a:prstGeom>
+          <a:solidFill>
+            <a:schemeClr val="tx1">
+              <a:lumMod val="95000"/>
+              <a:lumOff val="5000"/>
+            </a:schemeClr>
+          </a:solidFill>
+          <a:ln>
+            <a:noFill/>
+          </a:ln>
+        </p:spPr>
+        <p:style>
+          <a:lnRef idx="2">
+            <a:schemeClr val="accent1">
+              <a:shade val="50000"/>
+            </a:schemeClr>
+          </a:lnRef>
+          <a:fillRef idx="1">
+            <a:schemeClr val="accent1"/>
+          </a:fillRef>
+          <a:effectRef idx="0">
+            <a:schemeClr val="accent1"/>
+          </a:effectRef>
+          <a:fontRef idx="minor">
+            <a:schemeClr val="lt1"/>
+          </a:fontRef>
+        </p:style>
+        <p:txBody>
+          <a:bodyPr rtlCol="0" anchor="ctr"/>
+          <a:lstStyle/>
+          <a:p>
+            <a:pPr algn="ctr"/>
+            <a:endParaRPr lang="en-US" dirty="0">
+              <a:solidFill>
+                <a:schemeClr val="tx1"/>
+              </a:solidFill>
+            </a:endParaRPr>
+          </a:p>
+        </p:txBody>
+      </p:sp>
+      <p:sp>
+        <p:nvSpPr>
+          <p:cNvPr id="2" name="Title 1">
+            <a:extLst>
+              <a:ext uri="{FF2B5EF4-FFF2-40B4-BE49-F238E27FC236}">
+                <a16:creationId xmlns:a16="http://schemas.microsoft.com/office/drawing/2014/main" id="{BD1C6C6F-64E4-4B2D-93DD-1795F240784F}"/>
+              </a:ext>
+            </a:extLst>
+          </p:cNvPr>
+          <p:cNvSpPr>
+            <a:spLocks noGrp="1"/>
+          </p:cNvSpPr>
+          <p:nvPr>
+            <p:ph type="title"/>
+          </p:nvPr>
+        </p:nvSpPr>
+        <p:spPr>
+          <a:xfrm>
+            <a:off x="1295400" y="669925"/>
+            <a:ext cx="4800600" cy="1325563"/>
+          </a:xfrm>
+        </p:spPr>
+        <p:txBody>
+          <a:bodyPr anchor="b">
+            <a:normAutofit/>
+          </a:bodyPr>
+          <a:lstStyle/>
+          <a:p>
+            <a:r>
+              <a:rPr lang="en-US" sz="3600" dirty="0">
+                <a:solidFill>
+                  <a:schemeClr val="bg1"/>
+                </a:solidFill>
+              </a:rPr>
+              <a:t>Wat </a:t>
+            </a:r>
+            <a:r>
+              <a:rPr lang="en-US" sz="3600" dirty="0" err="1">
+                <a:solidFill>
+                  <a:schemeClr val="bg1"/>
+                </a:solidFill>
+              </a:rPr>
+              <a:t>ging</a:t>
+            </a:r>
+            <a:r>
+              <a:rPr lang="en-US" sz="3600" dirty="0">
+                <a:solidFill>
+                  <a:schemeClr val="bg1"/>
+                </a:solidFill>
+              </a:rPr>
+              <a:t> er </a:t>
+            </a:r>
+            <a:r>
+              <a:rPr lang="en-US" sz="3600" dirty="0" err="1">
+                <a:solidFill>
+                  <a:schemeClr val="bg1"/>
+                </a:solidFill>
+              </a:rPr>
+              <a:t>fout</a:t>
+            </a:r>
+            <a:r>
+              <a:rPr lang="en-US" sz="3600" dirty="0">
+                <a:solidFill>
+                  <a:schemeClr val="bg1"/>
+                </a:solidFill>
+              </a:rPr>
+              <a:t> / </a:t>
+            </a:r>
+            <a:r>
+              <a:rPr lang="en-US" sz="3600" dirty="0" err="1">
+                <a:solidFill>
+                  <a:schemeClr val="bg1"/>
+                </a:solidFill>
+              </a:rPr>
+              <a:t>kon</a:t>
+            </a:r>
+            <a:r>
+              <a:rPr lang="en-US" sz="3600" dirty="0">
+                <a:solidFill>
+                  <a:schemeClr val="bg1"/>
+                </a:solidFill>
+              </a:rPr>
+              <a:t> </a:t>
+            </a:r>
+            <a:r>
+              <a:rPr lang="en-US" sz="3600" dirty="0" err="1">
+                <a:solidFill>
+                  <a:schemeClr val="bg1"/>
+                </a:solidFill>
+              </a:rPr>
+              <a:t>beter</a:t>
+            </a:r>
+            <a:r>
+              <a:rPr lang="en-US" sz="3600">
+                <a:solidFill>
+                  <a:schemeClr val="bg1"/>
+                </a:solidFill>
+              </a:rPr>
+              <a:t>?</a:t>
+            </a:r>
+            <a:endParaRPr lang="nl-NL" sz="3600" dirty="0">
+              <a:solidFill>
+                <a:schemeClr val="bg1"/>
+              </a:solidFill>
+            </a:endParaRPr>
+          </a:p>
+        </p:txBody>
+      </p:sp>
+      <p:cxnSp>
+        <p:nvCxnSpPr>
+          <p:cNvPr id="77" name="Straight Connector 76">
+            <a:extLst>
+              <a:ext uri="{FF2B5EF4-FFF2-40B4-BE49-F238E27FC236}">
+                <a16:creationId xmlns:a16="http://schemas.microsoft.com/office/drawing/2014/main" id="{EE504C98-6397-41C1-A8D8-2D9C4ED307E0}"/>
+              </a:ext>
+              <a:ext uri="{C183D7F6-B498-43B3-948B-1728B52AA6E4}">
+                <adec:decorative xmlns:adec="http://schemas.microsoft.com/office/drawing/2017/decorative" val="1"/>
+              </a:ext>
+            </a:extLst>
+          </p:cNvPr>
+          <p:cNvCxnSpPr>
+            <a:cxnSpLocks noGrp="1" noRot="1" noChangeAspect="1" noMove="1" noResize="1" noEditPoints="1" noAdjustHandles="1" noChangeArrowheads="1" noChangeShapeType="1"/>
+          </p:cNvCxnSpPr>
+          <p:nvPr>
+            <p:extLst>
+              <p:ext uri="{386F3935-93C4-4BCD-93E2-E3B085C9AB24}">
+                <p16:designElem xmlns:p16="http://schemas.microsoft.com/office/powerpoint/2015/main" val="1"/>
+              </p:ext>
+            </p:extLst>
+          </p:nvPr>
+        </p:nvCxnSpPr>
+        <p:spPr>
+          <a:xfrm flipH="1">
+            <a:off x="1" y="2026340"/>
+            <a:ext cx="6095999" cy="0"/>
+          </a:xfrm>
+          <a:prstGeom prst="line">
+            <a:avLst/>
+          </a:prstGeom>
+          <a:ln w="12700">
+            <a:solidFill>
+              <a:schemeClr val="accent2"/>
+            </a:solidFill>
+          </a:ln>
+        </p:spPr>
+        <p:style>
+          <a:lnRef idx="1">
+            <a:schemeClr val="accent1"/>
+          </a:lnRef>
+          <a:fillRef idx="0">
+            <a:schemeClr val="accent1"/>
+          </a:fillRef>
+          <a:effectRef idx="0">
+            <a:schemeClr val="accent1"/>
+          </a:effectRef>
+          <a:fontRef idx="minor">
+            <a:schemeClr val="tx1"/>
+          </a:fontRef>
+        </p:style>
+      </p:cxnSp>
+      <p:sp>
+        <p:nvSpPr>
+          <p:cNvPr id="3" name="Content Placeholder 2">
+            <a:extLst>
+              <a:ext uri="{FF2B5EF4-FFF2-40B4-BE49-F238E27FC236}">
+                <a16:creationId xmlns:a16="http://schemas.microsoft.com/office/drawing/2014/main" id="{25FD317A-2528-4FE8-8B2A-DB48E737BCA3}"/>
+              </a:ext>
+            </a:extLst>
+          </p:cNvPr>
+          <p:cNvSpPr>
+            <a:spLocks noGrp="1"/>
+          </p:cNvSpPr>
+          <p:nvPr>
+            <p:ph idx="1"/>
+          </p:nvPr>
+        </p:nvSpPr>
+        <p:spPr>
+          <a:xfrm>
+            <a:off x="1295400" y="2288833"/>
+            <a:ext cx="4800600" cy="3711571"/>
+          </a:xfrm>
+        </p:spPr>
+        <p:txBody>
+          <a:bodyPr>
+            <a:normAutofit/>
+          </a:bodyPr>
+          <a:lstStyle/>
+          <a:p>
+            <a:endParaRPr lang="en-US" sz="2000" dirty="0">
+              <a:solidFill>
+                <a:schemeClr val="bg1"/>
+              </a:solidFill>
+            </a:endParaRPr>
+          </a:p>
+          <a:p>
+            <a:r>
+              <a:rPr lang="en-US" sz="2000" dirty="0">
+                <a:solidFill>
+                  <a:schemeClr val="bg1"/>
+                </a:solidFill>
+              </a:rPr>
+              <a:t>NodeMCU</a:t>
+            </a:r>
+          </a:p>
+          <a:p>
+            <a:endParaRPr lang="en-US" sz="2000" dirty="0">
+              <a:solidFill>
+                <a:schemeClr val="bg1"/>
+              </a:solidFill>
+            </a:endParaRPr>
+          </a:p>
+          <a:p>
+            <a:r>
+              <a:rPr lang="en-US" sz="2000" dirty="0">
+                <a:solidFill>
+                  <a:schemeClr val="bg1"/>
+                </a:solidFill>
+              </a:rPr>
+              <a:t>Analog</a:t>
+            </a:r>
+          </a:p>
+          <a:p>
+            <a:endParaRPr lang="en-US" sz="2000" dirty="0">
+              <a:solidFill>
+                <a:schemeClr val="bg1"/>
+              </a:solidFill>
+            </a:endParaRPr>
+          </a:p>
+          <a:p>
+            <a:r>
+              <a:rPr lang="en-US" sz="2000" dirty="0">
+                <a:solidFill>
+                  <a:schemeClr val="bg1"/>
+                </a:solidFill>
+              </a:rPr>
+              <a:t>C++</a:t>
+            </a:r>
+          </a:p>
+          <a:p>
+            <a:pPr marL="0" indent="0">
+              <a:buNone/>
+            </a:pPr>
+            <a:endParaRPr lang="en-US" sz="2000" dirty="0">
+              <a:solidFill>
+                <a:schemeClr val="bg1"/>
+              </a:solidFill>
+            </a:endParaRPr>
+          </a:p>
+        </p:txBody>
+      </p:sp>
+      <p:sp>
+        <p:nvSpPr>
+          <p:cNvPr id="79" name="Rectangle 78">
+            <a:extLst>
+              <a:ext uri="{FF2B5EF4-FFF2-40B4-BE49-F238E27FC236}">
+                <a16:creationId xmlns:a16="http://schemas.microsoft.com/office/drawing/2014/main" id="{C87417AF-190E-4D6E-AFA6-7D3E84B0B430}"/>
+              </a:ext>
+              <a:ext uri="{C183D7F6-B498-43B3-948B-1728B52AA6E4}">
+                <adec:decorative xmlns:adec="http://schemas.microsoft.com/office/drawing/2017/decorative" val="1"/>
+              </a:ext>
+            </a:extLst>
+          </p:cNvPr>
+          <p:cNvSpPr>
+            <a:spLocks noGrp="1" noRot="1" noChangeAspect="1" noMove="1" noResize="1" noEditPoints="1" noAdjustHandles="1" noChangeArrowheads="1" noChangeShapeType="1" noTextEdit="1"/>
+          </p:cNvSpPr>
+          <p:nvPr>
+            <p:extLst>
+              <p:ext uri="{386F3935-93C4-4BCD-93E2-E3B085C9AB24}">
+                <p16:designElem xmlns:p16="http://schemas.microsoft.com/office/powerpoint/2015/main" val="1"/>
+              </p:ext>
+            </p:extLst>
+          </p:nvPr>
+        </p:nvSpPr>
+        <p:spPr>
+          <a:xfrm>
+            <a:off x="6431603" y="182859"/>
+            <a:ext cx="3996261" cy="3177496"/>
+          </a:xfrm>
+          <a:prstGeom prst="rect">
+            <a:avLst/>
+          </a:prstGeom>
+          <a:noFill/>
+          <a:ln w="12700">
+            <a:solidFill>
+              <a:schemeClr val="accent2"/>
+            </a:solidFill>
+          </a:ln>
+        </p:spPr>
+        <p:style>
+          <a:lnRef idx="2">
+            <a:schemeClr val="accent1">
+              <a:shade val="50000"/>
+            </a:schemeClr>
+          </a:lnRef>
+          <a:fillRef idx="1">
+            <a:schemeClr val="accent1"/>
+          </a:fillRef>
+          <a:effectRef idx="0">
+            <a:schemeClr val="accent1"/>
+          </a:effectRef>
+          <a:fontRef idx="minor">
+            <a:schemeClr val="lt1"/>
+          </a:fontRef>
+        </p:style>
+        <p:txBody>
+          <a:bodyPr rtlCol="0" anchor="ctr"/>
+          <a:lstStyle/>
+          <a:p>
+            <a:pPr algn="ctr"/>
+            <a:endParaRPr lang="en-US"/>
+          </a:p>
+        </p:txBody>
+      </p:sp>
+      <p:sp>
+        <p:nvSpPr>
+          <p:cNvPr id="81" name="Rectangle 80">
+            <a:extLst>
+              <a:ext uri="{FF2B5EF4-FFF2-40B4-BE49-F238E27FC236}">
+                <a16:creationId xmlns:a16="http://schemas.microsoft.com/office/drawing/2014/main" id="{80B30ED8-273E-4C07-8568-2FE5CC5C483D}"/>
+              </a:ext>
+              <a:ext uri="{C183D7F6-B498-43B3-948B-1728B52AA6E4}">
+                <adec:decorative xmlns:adec="http://schemas.microsoft.com/office/drawing/2017/decorative" val="1"/>
+              </a:ext>
+            </a:extLst>
+          </p:cNvPr>
+          <p:cNvSpPr>
+            <a:spLocks noGrp="1" noRot="1" noChangeAspect="1" noMove="1" noResize="1" noEditPoints="1" noAdjustHandles="1" noChangeArrowheads="1" noChangeShapeType="1" noTextEdit="1"/>
+          </p:cNvSpPr>
+          <p:nvPr>
+            <p:extLst>
+              <p:ext uri="{386F3935-93C4-4BCD-93E2-E3B085C9AB24}">
+                <p16:designElem xmlns:p16="http://schemas.microsoft.com/office/powerpoint/2015/main" val="1"/>
+              </p:ext>
+            </p:extLst>
+          </p:nvPr>
+        </p:nvSpPr>
+        <p:spPr>
+          <a:xfrm>
+            <a:off x="7825071" y="3543213"/>
+            <a:ext cx="3996261" cy="3177496"/>
+          </a:xfrm>
+          <a:prstGeom prst="rect">
+            <a:avLst/>
+          </a:prstGeom>
+          <a:noFill/>
+          <a:ln w="12700">
+            <a:solidFill>
+              <a:schemeClr val="accent2"/>
+            </a:solidFill>
+          </a:ln>
+        </p:spPr>
+        <p:style>
+          <a:lnRef idx="2">
+            <a:schemeClr val="accent1">
+              <a:shade val="50000"/>
+            </a:schemeClr>
+          </a:lnRef>
+          <a:fillRef idx="1">
+            <a:schemeClr val="accent1"/>
+          </a:fillRef>
+          <a:effectRef idx="0">
+            <a:schemeClr val="accent1"/>
+          </a:effectRef>
+          <a:fontRef idx="minor">
+            <a:schemeClr val="lt1"/>
+          </a:fontRef>
+        </p:style>
+        <p:txBody>
+          <a:bodyPr rtlCol="0" anchor="ctr"/>
+          <a:lstStyle/>
+          <a:p>
+            <a:pPr algn="ctr"/>
+            <a:endParaRPr lang="en-US"/>
+          </a:p>
+        </p:txBody>
+      </p:sp>
+      <p:pic>
+        <p:nvPicPr>
+          <p:cNvPr id="10" name="Picture 9" descr="Logo&#10;&#10;Description automatically generated">
+            <a:extLst>
+              <a:ext uri="{FF2B5EF4-FFF2-40B4-BE49-F238E27FC236}">
+                <a16:creationId xmlns:a16="http://schemas.microsoft.com/office/drawing/2014/main" id="{8EA53BD4-160E-4202-BE06-97ECCA6F955C}"/>
+              </a:ext>
+            </a:extLst>
+          </p:cNvPr>
+          <p:cNvPicPr>
+            <a:picLocks noChangeAspect="1"/>
+          </p:cNvPicPr>
+          <p:nvPr/>
+        </p:nvPicPr>
+        <p:blipFill>
+          <a:blip r:embed="rId2">
+            <a:extLst>
+              <a:ext uri="{28A0092B-C50C-407E-A947-70E740481C1C}">
+                <a14:useLocalDpi xmlns:a14="http://schemas.microsoft.com/office/drawing/2010/main" val="0"/>
+              </a:ext>
+            </a:extLst>
+          </a:blip>
+          <a:stretch>
+            <a:fillRect/>
+          </a:stretch>
+        </p:blipFill>
+        <p:spPr>
+          <a:xfrm>
+            <a:off x="6881375" y="190811"/>
+            <a:ext cx="3249115" cy="3249115"/>
+          </a:xfrm>
+          <a:prstGeom prst="rect">
+            <a:avLst/>
+          </a:prstGeom>
+        </p:spPr>
+      </p:pic>
+      <p:pic>
+        <p:nvPicPr>
+          <p:cNvPr id="8" name="Picture 7" descr="Logo&#10;&#10;Description automatically generated">
+            <a:extLst>
+              <a:ext uri="{FF2B5EF4-FFF2-40B4-BE49-F238E27FC236}">
+                <a16:creationId xmlns:a16="http://schemas.microsoft.com/office/drawing/2014/main" id="{9E735BB4-F89B-4016-947E-3A3E4AA29B20}"/>
+              </a:ext>
+            </a:extLst>
+          </p:cNvPr>
+          <p:cNvPicPr>
+            <a:picLocks noChangeAspect="1"/>
+          </p:cNvPicPr>
+          <p:nvPr/>
+        </p:nvPicPr>
+        <p:blipFill>
+          <a:blip r:embed="rId3">
+            <a:extLst>
+              <a:ext uri="{28A0092B-C50C-407E-A947-70E740481C1C}">
+                <a14:useLocalDpi xmlns:a14="http://schemas.microsoft.com/office/drawing/2010/main" val="0"/>
+              </a:ext>
+            </a:extLst>
+          </a:blip>
+          <a:stretch>
+            <a:fillRect/>
+          </a:stretch>
+        </p:blipFill>
+        <p:spPr>
+          <a:xfrm>
+            <a:off x="8629466" y="3915443"/>
+            <a:ext cx="2387469" cy="2387469"/>
+          </a:xfrm>
+          <a:prstGeom prst="rect">
+            <a:avLst/>
+          </a:prstGeom>
+        </p:spPr>
+      </p:pic>
+    </p:spTree>
+    <p:extLst>
+      <p:ext uri="{BB962C8B-B14F-4D97-AF65-F5344CB8AC3E}">
+        <p14:creationId xmlns:p14="http://schemas.microsoft.com/office/powerpoint/2010/main" val="2089658362"/>
+      </p:ext>
+    </p:extLst>
+  </p:cSld>
+  <p:clrMapOvr>
+    <a:masterClrMapping/>
+  </p:clrMapOvr>
+  <p:timing>
+    <p:tnLst>
+      <p:par>
+        <p:cTn id="1" dur="indefinite" restart="never" nodeType="tmRoot">
+          <p:childTnLst>
+            <p:seq concurrent="1" nextAc="seek">
+              <p:cTn id="2" dur="indefinite" nodeType="mainSeq">
+                <p:childTnLst>
+                  <p:par>
+                    <p:cTn id="3" fill="hold">
+                      <p:stCondLst>
+                        <p:cond delay="indefinite"/>
+                        <p:cond evt="onBegin" delay="0">
+                          <p:tn val="2"/>
+                        </p:cond>
+                      </p:stCondLst>
+                      <p:childTnLst>
+                        <p:par>
+                          <p:cTn id="4" fill="hold">
+                            <p:stCondLst>
+                              <p:cond delay="0"/>
+                            </p:stCondLst>
+                            <p:childTnLst>
+                              <p:par>
+                                <p:cTn id="5" presetID="10" presetClass="entr" presetSubtype="0" fill="hold" grpId="0" nodeType="withEffect">
+                                  <p:stCondLst>
+                                    <p:cond delay="500"/>
+                                  </p:stCondLst>
+                                  <p:iterate type="lt">
+                                    <p:tmPct val="10000"/>
+                                  </p:iterate>
+                                  <p:childTnLst>
+                                    <p:set>
+                                      <p:cBhvr>
+                                        <p:cTn id="6" dur="1" fill="hold">
+                                          <p:stCondLst>
+                                            <p:cond delay="0"/>
+                                          </p:stCondLst>
+                                        </p:cTn>
+                                        <p:tgtEl>
+                                          <p:spTgt spid="2"/>
+                                        </p:tgtEl>
+                                        <p:attrNameLst>
+                                          <p:attrName>style.visibility</p:attrName>
+                                        </p:attrNameLst>
+                                      </p:cBhvr>
+                                      <p:to>
+                                        <p:strVal val="visible"/>
+                                      </p:to>
+                                    </p:set>
+                                    <p:animEffect transition="in" filter="fade">
+                                      <p:cBhvr>
+                                        <p:cTn id="7" dur="400"/>
+                                        <p:tgtEl>
+                                          <p:spTgt spid="2"/>
+                                        </p:tgtEl>
+                                      </p:cBhvr>
+                                    </p:animEffect>
+                                  </p:childTnLst>
+                                </p:cTn>
+                              </p:par>
+                            </p:childTnLst>
+                          </p:cTn>
+                        </p:par>
+                      </p:childTnLst>
+                    </p:cTn>
+                  </p:par>
+                </p:childTnLst>
+              </p:cTn>
+              <p:prevCondLst>
+                <p:cond evt="onPrev" delay="0">
+                  <p:tgtEl>
+                    <p:sldTgt/>
+                  </p:tgtEl>
+                </p:cond>
+              </p:prevCondLst>
+              <p:nextCondLst>
+                <p:cond evt="onNext" delay="0">
+                  <p:tgtEl>
+                    <p:sldTgt/>
+                  </p:tgtEl>
+                </p:cond>
+              </p:nextCondLst>
+            </p:seq>
+          </p:childTnLst>
+        </p:cTn>
+      </p:par>
+    </p:tnLst>
+    <p:bldLst>
+      <p:bldP spid="2" grpId="0"/>
+    </p:bldLst>
+  </p:timing>
+</p:sld>
+</file>
+
+<file path=ppt/slides/slide8.xml><?xml version="1.0" encoding="utf-8"?>
+<p:sld xmlns:a="http://schemas.openxmlformats.org/drawingml/2006/main" xmlns:r="http://schemas.openxmlformats.org/officeDocument/2006/relationships" xmlns:p="http://schemas.openxmlformats.org/presentationml/2006/main">
+  <p:cSld>
+    <p:bg>
+      <p:bgPr>
+        <a:solidFill>
+          <a:schemeClr val="bg1"/>
+        </a:solidFill>
+        <a:effectLst/>
+      </p:bgPr>
+    </p:bg>
+    <p:spTree>
+      <p:nvGrpSpPr>
+        <p:cNvPr id="1" name=""/>
+        <p:cNvGrpSpPr/>
+        <p:nvPr/>
+      </p:nvGrpSpPr>
+      <p:grpSpPr>
+        <a:xfrm>
+          <a:off x="0" y="0"/>
+          <a:ext cx="0" cy="0"/>
+          <a:chOff x="0" y="0"/>
+          <a:chExt cx="0" cy="0"/>
+        </a:xfrm>
+      </p:grpSpPr>
+      <p:sp>
+        <p:nvSpPr>
+          <p:cNvPr id="75" name="Rectangle 74">
+            <a:extLst>
+              <a:ext uri="{FF2B5EF4-FFF2-40B4-BE49-F238E27FC236}">
+                <a16:creationId xmlns:a16="http://schemas.microsoft.com/office/drawing/2014/main" id="{A7AE9375-4664-4DB2-922D-2782A6E439AC}"/>
+              </a:ext>
+              <a:ext uri="{C183D7F6-B498-43B3-948B-1728B52AA6E4}">
+                <adec:decorative xmlns:adec="http://schemas.microsoft.com/office/drawing/2017/decorative" val="1"/>
+              </a:ext>
+            </a:extLst>
+          </p:cNvPr>
+          <p:cNvSpPr>
+            <a:spLocks noGrp="1" noRot="1" noChangeAspect="1" noMove="1" noResize="1" noEditPoints="1" noAdjustHandles="1" noChangeArrowheads="1" noChangeShapeType="1" noTextEdit="1"/>
+          </p:cNvSpPr>
+          <p:nvPr>
+            <p:extLst>
+              <p:ext uri="{386F3935-93C4-4BCD-93E2-E3B085C9AB24}">
+                <p16:designElem xmlns:p16="http://schemas.microsoft.com/office/powerpoint/2015/main" val="1"/>
+              </p:ext>
+            </p:extLst>
+          </p:nvPr>
+        </p:nvSpPr>
+        <p:spPr>
+          <a:xfrm>
+            <a:off x="-1" y="0"/>
+            <a:ext cx="12192000" cy="6858000"/>
+          </a:xfrm>
+          <a:prstGeom prst="rect">
+            <a:avLst/>
+          </a:prstGeom>
+          <a:solidFill>
+            <a:schemeClr val="tx1">
+              <a:lumMod val="95000"/>
+              <a:lumOff val="5000"/>
+            </a:schemeClr>
+          </a:solidFill>
+          <a:ln>
+            <a:noFill/>
+          </a:ln>
+        </p:spPr>
+        <p:style>
+          <a:lnRef idx="2">
+            <a:schemeClr val="accent1">
+              <a:shade val="50000"/>
+            </a:schemeClr>
+          </a:lnRef>
+          <a:fillRef idx="1">
+            <a:schemeClr val="accent1"/>
+          </a:fillRef>
+          <a:effectRef idx="0">
+            <a:schemeClr val="accent1"/>
+          </a:effectRef>
+          <a:fontRef idx="minor">
+            <a:schemeClr val="lt1"/>
+          </a:fontRef>
+        </p:style>
+        <p:txBody>
+          <a:bodyPr rtlCol="0" anchor="ctr"/>
+          <a:lstStyle/>
+          <a:p>
+            <a:pPr algn="ctr"/>
+            <a:endParaRPr lang="en-US" dirty="0">
+              <a:solidFill>
+                <a:schemeClr val="tx1"/>
+              </a:solidFill>
+            </a:endParaRPr>
+          </a:p>
+        </p:txBody>
+      </p:sp>
+      <p:sp>
+        <p:nvSpPr>
+          <p:cNvPr id="2" name="Title 1">
+            <a:extLst>
+              <a:ext uri="{FF2B5EF4-FFF2-40B4-BE49-F238E27FC236}">
+                <a16:creationId xmlns:a16="http://schemas.microsoft.com/office/drawing/2014/main" id="{BD1C6C6F-64E4-4B2D-93DD-1795F240784F}"/>
+              </a:ext>
+            </a:extLst>
+          </p:cNvPr>
+          <p:cNvSpPr>
+            <a:spLocks noGrp="1"/>
+          </p:cNvSpPr>
+          <p:nvPr>
+            <p:ph type="title"/>
+          </p:nvPr>
+        </p:nvSpPr>
+        <p:spPr>
+          <a:xfrm>
+            <a:off x="1295400" y="669925"/>
+            <a:ext cx="4800600" cy="1325563"/>
+          </a:xfrm>
+        </p:spPr>
+        <p:txBody>
+          <a:bodyPr anchor="b">
+            <a:normAutofit/>
+          </a:bodyPr>
+          <a:lstStyle/>
+          <a:p>
+            <a:r>
+              <a:rPr lang="en-US" sz="3600" dirty="0">
+                <a:solidFill>
+                  <a:schemeClr val="bg1"/>
+                </a:solidFill>
+              </a:rPr>
+              <a:t>Wat heb ik geleerd?</a:t>
+            </a:r>
+            <a:endParaRPr lang="nl-NL" sz="3600" dirty="0">
+              <a:solidFill>
+                <a:schemeClr val="bg1"/>
+              </a:solidFill>
+            </a:endParaRPr>
+          </a:p>
+        </p:txBody>
+      </p:sp>
+      <p:cxnSp>
+        <p:nvCxnSpPr>
+          <p:cNvPr id="77" name="Straight Connector 76">
+            <a:extLst>
+              <a:ext uri="{FF2B5EF4-FFF2-40B4-BE49-F238E27FC236}">
+                <a16:creationId xmlns:a16="http://schemas.microsoft.com/office/drawing/2014/main" id="{EE504C98-6397-41C1-A8D8-2D9C4ED307E0}"/>
+              </a:ext>
+              <a:ext uri="{C183D7F6-B498-43B3-948B-1728B52AA6E4}">
+                <adec:decorative xmlns:adec="http://schemas.microsoft.com/office/drawing/2017/decorative" val="1"/>
+              </a:ext>
+            </a:extLst>
+          </p:cNvPr>
+          <p:cNvCxnSpPr>
+            <a:cxnSpLocks noGrp="1" noRot="1" noChangeAspect="1" noMove="1" noResize="1" noEditPoints="1" noAdjustHandles="1" noChangeArrowheads="1" noChangeShapeType="1"/>
+          </p:cNvCxnSpPr>
+          <p:nvPr>
+            <p:extLst>
+              <p:ext uri="{386F3935-93C4-4BCD-93E2-E3B085C9AB24}">
+                <p16:designElem xmlns:p16="http://schemas.microsoft.com/office/powerpoint/2015/main" val="1"/>
+              </p:ext>
+            </p:extLst>
+          </p:nvPr>
+        </p:nvCxnSpPr>
+        <p:spPr>
+          <a:xfrm flipH="1">
+            <a:off x="1" y="2026340"/>
+            <a:ext cx="6095999" cy="0"/>
+          </a:xfrm>
+          <a:prstGeom prst="line">
+            <a:avLst/>
+          </a:prstGeom>
+          <a:ln w="12700">
+            <a:solidFill>
+              <a:schemeClr val="accent2"/>
+            </a:solidFill>
+          </a:ln>
+        </p:spPr>
+        <p:style>
+          <a:lnRef idx="1">
+            <a:schemeClr val="accent1"/>
+          </a:lnRef>
+          <a:fillRef idx="0">
+            <a:schemeClr val="accent1"/>
+          </a:fillRef>
+          <a:effectRef idx="0">
+            <a:schemeClr val="accent1"/>
+          </a:effectRef>
+          <a:fontRef idx="minor">
+            <a:schemeClr val="tx1"/>
+          </a:fontRef>
+        </p:style>
+      </p:cxnSp>
+      <p:sp>
+        <p:nvSpPr>
+          <p:cNvPr id="3" name="Content Placeholder 2">
+            <a:extLst>
+              <a:ext uri="{FF2B5EF4-FFF2-40B4-BE49-F238E27FC236}">
+                <a16:creationId xmlns:a16="http://schemas.microsoft.com/office/drawing/2014/main" id="{25FD317A-2528-4FE8-8B2A-DB48E737BCA3}"/>
+              </a:ext>
+            </a:extLst>
+          </p:cNvPr>
+          <p:cNvSpPr>
+            <a:spLocks noGrp="1"/>
+          </p:cNvSpPr>
+          <p:nvPr>
+            <p:ph idx="1"/>
+          </p:nvPr>
+        </p:nvSpPr>
+        <p:spPr>
+          <a:xfrm>
+            <a:off x="1295400" y="2288833"/>
+            <a:ext cx="4800600" cy="3711571"/>
+          </a:xfrm>
+        </p:spPr>
+        <p:txBody>
+          <a:bodyPr>
+            <a:normAutofit/>
+          </a:bodyPr>
+          <a:lstStyle/>
+          <a:p>
+            <a:endParaRPr lang="en-US" sz="2000" dirty="0">
+              <a:solidFill>
+                <a:schemeClr val="bg1"/>
+              </a:solidFill>
+            </a:endParaRPr>
+          </a:p>
+          <a:p>
+            <a:r>
+              <a:rPr lang="en-US" sz="2000" dirty="0">
+                <a:solidFill>
+                  <a:schemeClr val="bg1"/>
+                </a:solidFill>
+              </a:rPr>
+              <a:t>NodeMCU</a:t>
+            </a:r>
+          </a:p>
+          <a:p>
+            <a:endParaRPr lang="en-US" sz="2000" dirty="0">
+              <a:solidFill>
+                <a:schemeClr val="bg1"/>
+              </a:solidFill>
+            </a:endParaRPr>
+          </a:p>
+          <a:p>
+            <a:r>
+              <a:rPr lang="en-US" sz="2000" dirty="0">
+                <a:solidFill>
+                  <a:schemeClr val="bg1"/>
+                </a:solidFill>
+              </a:rPr>
+              <a:t>Analog</a:t>
+            </a:r>
+          </a:p>
+          <a:p>
+            <a:endParaRPr lang="en-US" sz="2000" dirty="0">
+              <a:solidFill>
+                <a:schemeClr val="bg1"/>
+              </a:solidFill>
+            </a:endParaRPr>
+          </a:p>
+          <a:p>
+            <a:r>
+              <a:rPr lang="en-US" sz="2000" dirty="0">
+                <a:solidFill>
+                  <a:schemeClr val="bg1"/>
+                </a:solidFill>
+              </a:rPr>
+              <a:t>C++</a:t>
+            </a:r>
+          </a:p>
+          <a:p>
+            <a:pPr marL="0" indent="0">
+              <a:buNone/>
+            </a:pPr>
+            <a:endParaRPr lang="en-US" sz="2000" dirty="0">
+              <a:solidFill>
+                <a:schemeClr val="bg1"/>
+              </a:solidFill>
+            </a:endParaRPr>
+          </a:p>
+        </p:txBody>
+      </p:sp>
+      <p:sp>
+        <p:nvSpPr>
+          <p:cNvPr id="79" name="Rectangle 78">
+            <a:extLst>
+              <a:ext uri="{FF2B5EF4-FFF2-40B4-BE49-F238E27FC236}">
+                <a16:creationId xmlns:a16="http://schemas.microsoft.com/office/drawing/2014/main" id="{C87417AF-190E-4D6E-AFA6-7D3E84B0B430}"/>
+              </a:ext>
+              <a:ext uri="{C183D7F6-B498-43B3-948B-1728B52AA6E4}">
+                <adec:decorative xmlns:adec="http://schemas.microsoft.com/office/drawing/2017/decorative" val="1"/>
+              </a:ext>
+            </a:extLst>
+          </p:cNvPr>
+          <p:cNvSpPr>
+            <a:spLocks noGrp="1" noRot="1" noChangeAspect="1" noMove="1" noResize="1" noEditPoints="1" noAdjustHandles="1" noChangeArrowheads="1" noChangeShapeType="1" noTextEdit="1"/>
+          </p:cNvSpPr>
+          <p:nvPr>
+            <p:extLst>
+              <p:ext uri="{386F3935-93C4-4BCD-93E2-E3B085C9AB24}">
+                <p16:designElem xmlns:p16="http://schemas.microsoft.com/office/powerpoint/2015/main" val="1"/>
+              </p:ext>
+            </p:extLst>
+          </p:nvPr>
+        </p:nvSpPr>
+        <p:spPr>
+          <a:xfrm>
+            <a:off x="6431603" y="182859"/>
+            <a:ext cx="3996261" cy="3177496"/>
+          </a:xfrm>
+          <a:prstGeom prst="rect">
+            <a:avLst/>
+          </a:prstGeom>
+          <a:noFill/>
+          <a:ln w="12700">
+            <a:solidFill>
+              <a:schemeClr val="accent2"/>
+            </a:solidFill>
+          </a:ln>
+        </p:spPr>
+        <p:style>
+          <a:lnRef idx="2">
+            <a:schemeClr val="accent1">
+              <a:shade val="50000"/>
+            </a:schemeClr>
+          </a:lnRef>
+          <a:fillRef idx="1">
+            <a:schemeClr val="accent1"/>
+          </a:fillRef>
+          <a:effectRef idx="0">
+            <a:schemeClr val="accent1"/>
+          </a:effectRef>
+          <a:fontRef idx="minor">
+            <a:schemeClr val="lt1"/>
+          </a:fontRef>
+        </p:style>
+        <p:txBody>
+          <a:bodyPr rtlCol="0" anchor="ctr"/>
+          <a:lstStyle/>
+          <a:p>
+            <a:pPr algn="ctr"/>
+            <a:endParaRPr lang="en-US"/>
+          </a:p>
+        </p:txBody>
+      </p:sp>
+      <p:sp>
+        <p:nvSpPr>
+          <p:cNvPr id="81" name="Rectangle 80">
+            <a:extLst>
+              <a:ext uri="{FF2B5EF4-FFF2-40B4-BE49-F238E27FC236}">
+                <a16:creationId xmlns:a16="http://schemas.microsoft.com/office/drawing/2014/main" id="{80B30ED8-273E-4C07-8568-2FE5CC5C483D}"/>
+              </a:ext>
+              <a:ext uri="{C183D7F6-B498-43B3-948B-1728B52AA6E4}">
+                <adec:decorative xmlns:adec="http://schemas.microsoft.com/office/drawing/2017/decorative" val="1"/>
+              </a:ext>
+            </a:extLst>
+          </p:cNvPr>
+          <p:cNvSpPr>
+            <a:spLocks noGrp="1" noRot="1" noChangeAspect="1" noMove="1" noResize="1" noEditPoints="1" noAdjustHandles="1" noChangeArrowheads="1" noChangeShapeType="1" noTextEdit="1"/>
+          </p:cNvSpPr>
+          <p:nvPr>
+            <p:extLst>
+              <p:ext uri="{386F3935-93C4-4BCD-93E2-E3B085C9AB24}">
+                <p16:designElem xmlns:p16="http://schemas.microsoft.com/office/powerpoint/2015/main" val="1"/>
+              </p:ext>
+            </p:extLst>
+          </p:nvPr>
+        </p:nvSpPr>
+        <p:spPr>
+          <a:xfrm>
+            <a:off x="7825071" y="3543213"/>
+            <a:ext cx="3996261" cy="3177496"/>
+          </a:xfrm>
+          <a:prstGeom prst="rect">
+            <a:avLst/>
+          </a:prstGeom>
+          <a:noFill/>
+          <a:ln w="12700">
+            <a:solidFill>
+              <a:schemeClr val="accent2"/>
+            </a:solidFill>
+          </a:ln>
+        </p:spPr>
+        <p:style>
+          <a:lnRef idx="2">
+            <a:schemeClr val="accent1">
+              <a:shade val="50000"/>
+            </a:schemeClr>
+          </a:lnRef>
+          <a:fillRef idx="1">
+            <a:schemeClr val="accent1"/>
+          </a:fillRef>
+          <a:effectRef idx="0">
+            <a:schemeClr val="accent1"/>
+          </a:effectRef>
+          <a:fontRef idx="minor">
+            <a:schemeClr val="lt1"/>
+          </a:fontRef>
+        </p:style>
+        <p:txBody>
+          <a:bodyPr rtlCol="0" anchor="ctr"/>
+          <a:lstStyle/>
+          <a:p>
+            <a:pPr algn="ctr"/>
+            <a:endParaRPr lang="en-US"/>
+          </a:p>
+        </p:txBody>
+      </p:sp>
+      <p:pic>
+        <p:nvPicPr>
+          <p:cNvPr id="10" name="Picture 9" descr="Logo&#10;&#10;Description automatically generated">
+            <a:extLst>
+              <a:ext uri="{FF2B5EF4-FFF2-40B4-BE49-F238E27FC236}">
+                <a16:creationId xmlns:a16="http://schemas.microsoft.com/office/drawing/2014/main" id="{8EA53BD4-160E-4202-BE06-97ECCA6F955C}"/>
+              </a:ext>
+            </a:extLst>
+          </p:cNvPr>
+          <p:cNvPicPr>
+            <a:picLocks noChangeAspect="1"/>
+          </p:cNvPicPr>
+          <p:nvPr/>
+        </p:nvPicPr>
+        <p:blipFill>
+          <a:blip r:embed="rId2">
+            <a:extLst>
+              <a:ext uri="{28A0092B-C50C-407E-A947-70E740481C1C}">
+                <a14:useLocalDpi xmlns:a14="http://schemas.microsoft.com/office/drawing/2010/main" val="0"/>
+              </a:ext>
+            </a:extLst>
+          </a:blip>
+          <a:stretch>
+            <a:fillRect/>
+          </a:stretch>
+        </p:blipFill>
+        <p:spPr>
+          <a:xfrm>
+            <a:off x="6881375" y="190811"/>
+            <a:ext cx="3249115" cy="3249115"/>
+          </a:xfrm>
+          <a:prstGeom prst="rect">
+            <a:avLst/>
+          </a:prstGeom>
+        </p:spPr>
+      </p:pic>
+      <p:pic>
+        <p:nvPicPr>
+          <p:cNvPr id="8" name="Picture 7" descr="Logo&#10;&#10;Description automatically generated">
+            <a:extLst>
+              <a:ext uri="{FF2B5EF4-FFF2-40B4-BE49-F238E27FC236}">
+                <a16:creationId xmlns:a16="http://schemas.microsoft.com/office/drawing/2014/main" id="{9E735BB4-F89B-4016-947E-3A3E4AA29B20}"/>
+              </a:ext>
+            </a:extLst>
+          </p:cNvPr>
+          <p:cNvPicPr>
+            <a:picLocks noChangeAspect="1"/>
+          </p:cNvPicPr>
+          <p:nvPr/>
+        </p:nvPicPr>
+        <p:blipFill>
+          <a:blip r:embed="rId3">
+            <a:extLst>
+              <a:ext uri="{28A0092B-C50C-407E-A947-70E740481C1C}">
+                <a14:useLocalDpi xmlns:a14="http://schemas.microsoft.com/office/drawing/2010/main" val="0"/>
+              </a:ext>
+            </a:extLst>
+          </a:blip>
+          <a:stretch>
+            <a:fillRect/>
+          </a:stretch>
+        </p:blipFill>
+        <p:spPr>
+          <a:xfrm>
+            <a:off x="8629466" y="3915443"/>
+            <a:ext cx="2387469" cy="2387469"/>
+          </a:xfrm>
+          <a:prstGeom prst="rect">
+            <a:avLst/>
+          </a:prstGeom>
+        </p:spPr>
+      </p:pic>
+    </p:spTree>
+    <p:extLst>
+      <p:ext uri="{BB962C8B-B14F-4D97-AF65-F5344CB8AC3E}">
+        <p14:creationId xmlns:p14="http://schemas.microsoft.com/office/powerpoint/2010/main" val="1559343873"/>
+      </p:ext>
+    </p:extLst>
+  </p:cSld>
+  <p:clrMapOvr>
+    <a:masterClrMapping/>
+  </p:clrMapOvr>
+  <p:timing>
+    <p:tnLst>
+      <p:par>
+        <p:cTn id="1" dur="indefinite" restart="never" nodeType="tmRoot">
+          <p:childTnLst>
+            <p:seq concurrent="1" nextAc="seek">
+              <p:cTn id="2" dur="indefinite" nodeType="mainSeq">
+                <p:childTnLst>
+                  <p:par>
+                    <p:cTn id="3" fill="hold">
+                      <p:stCondLst>
+                        <p:cond delay="indefinite"/>
+                        <p:cond evt="onBegin" delay="0">
+                          <p:tn val="2"/>
+                        </p:cond>
+                      </p:stCondLst>
+                      <p:childTnLst>
+                        <p:par>
+                          <p:cTn id="4" fill="hold">
+                            <p:stCondLst>
+                              <p:cond delay="0"/>
+                            </p:stCondLst>
+                            <p:childTnLst>
+                              <p:par>
+                                <p:cTn id="5" presetID="10" presetClass="entr" presetSubtype="0" fill="hold" grpId="0" nodeType="withEffect">
+                                  <p:stCondLst>
+                                    <p:cond delay="500"/>
+                                  </p:stCondLst>
+                                  <p:iterate type="lt">
+                                    <p:tmPct val="10000"/>
+                                  </p:iterate>
+                                  <p:childTnLst>
+                                    <p:set>
+                                      <p:cBhvr>
+                                        <p:cTn id="6" dur="1" fill="hold">
+                                          <p:stCondLst>
+                                            <p:cond delay="0"/>
+                                          </p:stCondLst>
+                                        </p:cTn>
+                                        <p:tgtEl>
+                                          <p:spTgt spid="2"/>
+                                        </p:tgtEl>
+                                        <p:attrNameLst>
+                                          <p:attrName>style.visibility</p:attrName>
+                                        </p:attrNameLst>
+                                      </p:cBhvr>
+                                      <p:to>
+                                        <p:strVal val="visible"/>
+                                      </p:to>
+                                    </p:set>
+                                    <p:animEffect transition="in" filter="fade">
+                                      <p:cBhvr>
+                                        <p:cTn id="7" dur="400"/>
+                                        <p:tgtEl>
+                                          <p:spTgt spid="2"/>
+                                        </p:tgtEl>
+                                      </p:cBhvr>
+                                    </p:animEffect>
+                                  </p:childTnLst>
+                                </p:cTn>
+                              </p:par>
+                            </p:childTnLst>
+                          </p:cTn>
+                        </p:par>
+                      </p:childTnLst>
+                    </p:cTn>
+                  </p:par>
+                </p:childTnLst>
+              </p:cTn>
+              <p:prevCondLst>
+                <p:cond evt="onPrev" delay="0">
+                  <p:tgtEl>
+                    <p:sldTgt/>
+                  </p:tgtEl>
+                </p:cond>
+              </p:prevCondLst>
+              <p:nextCondLst>
+                <p:cond evt="onNext" delay="0">
+                  <p:tgtEl>
+                    <p:sldTgt/>
+                  </p:tgtEl>
+                </p:cond>
+              </p:nextCondLst>
+            </p:seq>
+          </p:childTnLst>
+        </p:cTn>
+      </p:par>
+    </p:tnLst>
+    <p:bldLst>
+      <p:bldP spid="2" grpId="0"/>
+    </p:bldLst>
+  </p:timing>
+</p:sld>
+</file>
+
+<file path=ppt/slides/slide9.xml><?xml version="1.0" encoding="utf-8"?>
 <p:sld xmlns:a="http://schemas.openxmlformats.org/drawingml/2006/main" xmlns:r="http://schemas.openxmlformats.org/officeDocument/2006/relationships" xmlns:p="http://schemas.openxmlformats.org/presentationml/2006/main">
   <p:cSld>
     <p:bg>
